--- a/仕様書/プレゼンテーション1.pptx
+++ b/仕様書/プレゼンテーション1.pptx
@@ -3766,8 +3766,8 @@
           <a:lstStyle/>
           <a:p>
             <a:r>
-              <a:rPr kumimoji="1" lang="en-US" altLang="ja-JP" u="sng" dirty="0"/>
-              <a:t>Login Page</a:t>
+              <a:rPr kumimoji="1" lang="en-US" altLang="ja-JP" u="sng" dirty="0" err="1"/>
+              <a:t>BeforeLogin</a:t>
             </a:r>
             <a:r>
               <a:rPr kumimoji="1" lang="en-US" altLang="ja-JP" dirty="0"/>
@@ -12557,9 +12557,10 @@
           <a:lstStyle/>
           <a:p>
             <a:r>
-              <a:rPr lang="en-US" altLang="ja-JP" dirty="0"/>
-              <a:t>Login</a:t>
-            </a:r>
+              <a:rPr lang="en-US" altLang="ja-JP"/>
+              <a:t>BeforeLogin</a:t>
+            </a:r>
+            <a:endParaRPr lang="en-US" altLang="ja-JP" dirty="0"/>
           </a:p>
         </p:txBody>
       </p:sp>
@@ -13542,6 +13543,50 @@
         <p:spPr>
           <a:xfrm>
             <a:off x="5684520" y="2107490"/>
+            <a:ext cx="1013419" cy="276999"/>
+          </a:xfrm>
+          <a:prstGeom prst="rect">
+            <a:avLst/>
+          </a:prstGeom>
+          <a:noFill/>
+        </p:spPr>
+        <p:txBody>
+          <a:bodyPr wrap="none" rtlCol="0">
+            <a:spAutoFit/>
+          </a:bodyPr>
+          <a:lstStyle/>
+          <a:p>
+            <a:r>
+              <a:rPr kumimoji="1" lang="en-US" altLang="ja-JP" sz="1200" dirty="0">
+                <a:solidFill>
+                  <a:srgbClr val="FF0000"/>
+                </a:solidFill>
+              </a:rPr>
+              <a:t>LOGIN REQ</a:t>
+            </a:r>
+            <a:endParaRPr kumimoji="1" lang="ja-JP" altLang="en-US" sz="1200">
+              <a:solidFill>
+                <a:srgbClr val="FF0000"/>
+              </a:solidFill>
+            </a:endParaRPr>
+          </a:p>
+        </p:txBody>
+      </p:sp>
+      <p:sp>
+        <p:nvSpPr>
+          <p:cNvPr id="54" name="テキスト ボックス 53">
+            <a:extLst>
+              <a:ext uri="{FF2B5EF4-FFF2-40B4-BE49-F238E27FC236}">
+                <a16:creationId xmlns:a16="http://schemas.microsoft.com/office/drawing/2014/main" id="{2A6B7C23-E57C-4C45-AFD2-B3B78D61FC1D}"/>
+              </a:ext>
+            </a:extLst>
+          </p:cNvPr>
+          <p:cNvSpPr txBox="1"/>
+          <p:nvPr/>
+        </p:nvSpPr>
+        <p:spPr>
+          <a:xfrm>
+            <a:off x="5643413" y="5174295"/>
             <a:ext cx="1013419" cy="276999"/>
           </a:xfrm>
           <a:prstGeom prst="rect">
